--- a/report/cmdb_presentation.pptx
+++ b/report/cmdb_presentation.pptx
@@ -5,7 +5,7 @@
     <p:sldMasterId id="2147483660" r:id="rId1"/>
   </p:sldMasterIdLst>
   <p:notesMasterIdLst>
-    <p:notesMasterId r:id="rId19"/>
+    <p:notesMasterId r:id="rId18"/>
   </p:notesMasterIdLst>
   <p:sldIdLst>
     <p:sldId id="256" r:id="rId2"/>
@@ -18,13 +18,12 @@
     <p:sldId id="274" r:id="rId9"/>
     <p:sldId id="275" r:id="rId10"/>
     <p:sldId id="276" r:id="rId11"/>
-    <p:sldId id="263" r:id="rId12"/>
-    <p:sldId id="268" r:id="rId13"/>
-    <p:sldId id="273" r:id="rId14"/>
-    <p:sldId id="269" r:id="rId15"/>
-    <p:sldId id="270" r:id="rId16"/>
-    <p:sldId id="271" r:id="rId17"/>
-    <p:sldId id="272" r:id="rId18"/>
+    <p:sldId id="268" r:id="rId12"/>
+    <p:sldId id="273" r:id="rId13"/>
+    <p:sldId id="269" r:id="rId14"/>
+    <p:sldId id="270" r:id="rId15"/>
+    <p:sldId id="271" r:id="rId16"/>
+    <p:sldId id="272" r:id="rId17"/>
   </p:sldIdLst>
   <p:sldSz cx="12192000" cy="6858000"/>
   <p:notesSz cx="6858000" cy="9144000"/>
@@ -224,7 +223,7 @@
           <a:p>
             <a:fld id="{2099E8B9-E39C-4694-B200-B11050347EF9}" type="datetimeFigureOut">
               <a:rPr lang="en-US" smtClean="0"/>
-              <a:t>11/19/2015</a:t>
+              <a:t>11/21/2015</a:t>
             </a:fld>
             <a:endParaRPr lang="en-US"/>
           </a:p>
@@ -1162,7 +1161,7 @@
           <a:p>
             <a:fld id="{8431330B-4EA1-41C5-9F32-328AB0FAF3FA}" type="datetime1">
               <a:rPr lang="en-US" smtClean="0"/>
-              <a:t>11/19/2015</a:t>
+              <a:t>11/21/2015</a:t>
             </a:fld>
             <a:endParaRPr lang="en-US"/>
           </a:p>
@@ -1467,7 +1466,7 @@
           <a:p>
             <a:fld id="{E273B6E4-D9A0-4721-B550-AEB48D4AD684}" type="datetime1">
               <a:rPr lang="en-US" smtClean="0"/>
-              <a:t>11/19/2015</a:t>
+              <a:t>11/21/2015</a:t>
             </a:fld>
             <a:endParaRPr lang="en-US"/>
           </a:p>
@@ -1715,7 +1714,7 @@
           <a:p>
             <a:fld id="{6088B1E9-1021-4A9E-BD3B-AF0E280B786F}" type="datetime1">
               <a:rPr lang="en-US" smtClean="0"/>
-              <a:t>11/19/2015</a:t>
+              <a:t>11/21/2015</a:t>
             </a:fld>
             <a:endParaRPr lang="en-US"/>
           </a:p>
@@ -2255,7 +2254,7 @@
           <a:p>
             <a:fld id="{3A707B3E-3C0F-4303-A771-96BBD8D208FB}" type="datetime1">
               <a:rPr lang="en-US" smtClean="0"/>
-              <a:t>11/19/2015</a:t>
+              <a:t>11/21/2015</a:t>
             </a:fld>
             <a:endParaRPr lang="en-US"/>
           </a:p>
@@ -2503,7 +2502,7 @@
           <a:p>
             <a:fld id="{FAE9A63D-34D5-4D52-A0E8-22C17FDF09E5}" type="datetime1">
               <a:rPr lang="en-US" smtClean="0"/>
-              <a:t>11/19/2015</a:t>
+              <a:t>11/21/2015</a:t>
             </a:fld>
             <a:endParaRPr lang="en-US"/>
           </a:p>
@@ -3035,7 +3034,7 @@
           <a:p>
             <a:fld id="{E2080857-5737-41EF-8BAA-BFCAF5BC63D7}" type="datetime1">
               <a:rPr lang="en-US" smtClean="0"/>
-              <a:t>11/19/2015</a:t>
+              <a:t>11/21/2015</a:t>
             </a:fld>
             <a:endParaRPr lang="en-US"/>
           </a:p>
@@ -3332,7 +3331,7 @@
           <a:p>
             <a:fld id="{B0D581B6-6081-40FE-B57D-614943BA9925}" type="datetime1">
               <a:rPr lang="en-US" smtClean="0"/>
-              <a:t>11/19/2015</a:t>
+              <a:t>11/21/2015</a:t>
             </a:fld>
             <a:endParaRPr lang="en-US"/>
           </a:p>
@@ -3506,7 +3505,7 @@
           <a:p>
             <a:fld id="{6FA1CF5A-83E1-40AB-AA7E-C0E1F5A263A9}" type="datetime1">
               <a:rPr lang="en-US" smtClean="0"/>
-              <a:t>11/19/2015</a:t>
+              <a:t>11/21/2015</a:t>
             </a:fld>
             <a:endParaRPr lang="en-US"/>
           </a:p>
@@ -3686,7 +3685,7 @@
           <a:p>
             <a:fld id="{DDC79222-88C4-42EB-AD16-CEADE4BDAC75}" type="datetime1">
               <a:rPr lang="en-US" smtClean="0"/>
-              <a:t>11/19/2015</a:t>
+              <a:t>11/21/2015</a:t>
             </a:fld>
             <a:endParaRPr lang="en-US"/>
           </a:p>
@@ -3856,7 +3855,7 @@
           <a:p>
             <a:fld id="{99024575-90D1-421F-93D2-44773D066F02}" type="datetime1">
               <a:rPr lang="en-US" smtClean="0"/>
-              <a:t>11/19/2015</a:t>
+              <a:t>11/21/2015</a:t>
             </a:fld>
             <a:endParaRPr lang="en-US"/>
           </a:p>
@@ -4112,7 +4111,7 @@
           <a:p>
             <a:fld id="{C1C78C0B-588F-4F3B-983E-491A3D822133}" type="datetime1">
               <a:rPr lang="en-US" smtClean="0"/>
-              <a:t>11/19/2015</a:t>
+              <a:t>11/21/2015</a:t>
             </a:fld>
             <a:endParaRPr lang="en-US"/>
           </a:p>
@@ -4414,7 +4413,7 @@
           <a:p>
             <a:fld id="{25EBAA7F-39D7-4124-A733-620FC0BD6E0B}" type="datetime1">
               <a:rPr lang="en-US" smtClean="0"/>
-              <a:t>11/19/2015</a:t>
+              <a:t>11/21/2015</a:t>
             </a:fld>
             <a:endParaRPr lang="en-US"/>
           </a:p>
@@ -4861,7 +4860,7 @@
           <a:p>
             <a:fld id="{88352217-1139-4944-B95F-426476D1C6E8}" type="datetime1">
               <a:rPr lang="en-US" smtClean="0"/>
-              <a:t>11/19/2015</a:t>
+              <a:t>11/21/2015</a:t>
             </a:fld>
             <a:endParaRPr lang="en-US"/>
           </a:p>
@@ -4979,7 +4978,7 @@
           <a:p>
             <a:fld id="{266106CE-E01F-445D-952A-57F7EA204F4E}" type="datetime1">
               <a:rPr lang="en-US" smtClean="0"/>
-              <a:t>11/19/2015</a:t>
+              <a:t>11/21/2015</a:t>
             </a:fld>
             <a:endParaRPr lang="en-US"/>
           </a:p>
@@ -5074,7 +5073,7 @@
           <a:p>
             <a:fld id="{C9D9DB44-FC42-4B97-9FBD-D13D176221E8}" type="datetime1">
               <a:rPr lang="en-US" smtClean="0"/>
-              <a:t>11/19/2015</a:t>
+              <a:t>11/21/2015</a:t>
             </a:fld>
             <a:endParaRPr lang="en-US"/>
           </a:p>
@@ -5357,7 +5356,7 @@
           <a:p>
             <a:fld id="{071CD097-9FFF-4349-8F52-9AE2EB5A3236}" type="datetime1">
               <a:rPr lang="en-US" smtClean="0"/>
-              <a:t>11/19/2015</a:t>
+              <a:t>11/21/2015</a:t>
             </a:fld>
             <a:endParaRPr lang="en-US"/>
           </a:p>
@@ -5648,7 +5647,7 @@
           <a:p>
             <a:fld id="{00009D04-3F89-47FD-A535-9873E0033CE9}" type="datetime1">
               <a:rPr lang="en-US" smtClean="0"/>
-              <a:t>11/19/2015</a:t>
+              <a:t>11/21/2015</a:t>
             </a:fld>
             <a:endParaRPr lang="en-US"/>
           </a:p>
@@ -6178,7 +6177,7 @@
           <a:p>
             <a:fld id="{D485F110-CDA0-4050-877A-2727C25B5F78}" type="datetime1">
               <a:rPr lang="en-US" smtClean="0"/>
-              <a:t>11/19/2015</a:t>
+              <a:t>11/21/2015</a:t>
             </a:fld>
             <a:endParaRPr lang="en-US"/>
           </a:p>
@@ -7207,6 +7206,13 @@
   <p:clrMapOvr>
     <a:masterClrMapping/>
   </p:clrMapOvr>
+  <p:timing>
+    <p:tnLst>
+      <p:par>
+        <p:cTn id="1" dur="indefinite" restart="never" nodeType="tmRoot"/>
+      </p:par>
+    </p:tnLst>
+  </p:timing>
 </p:sld>
 </file>
 
@@ -7243,117 +7249,29 @@
           <a:lstStyle/>
           <a:p>
             <a:r>
-              <a:rPr lang="en-US" dirty="0"/>
-              <a:t>3. </a:t>
-            </a:r>
-            <a:r>
-              <a:rPr lang="en-US" dirty="0" err="1" smtClean="0"/>
-              <a:t>Déroulement</a:t>
-            </a:r>
-            <a:r>
-              <a:rPr lang="en-US" dirty="0" smtClean="0"/>
-              <a:t> </a:t>
-            </a:r>
-            <a:r>
-              <a:rPr lang="en-US" dirty="0"/>
-              <a:t>du </a:t>
-            </a:r>
-            <a:r>
-              <a:rPr lang="en-US" dirty="0" err="1"/>
-              <a:t>projet</a:t>
+              <a:rPr lang="en-US" dirty="0" smtClean="0"/>
+              <a:t>4. </a:t>
+            </a:r>
+            <a:r>
+              <a:rPr lang="en-US" dirty="0" err="1" smtClean="0"/>
+              <a:t>Démonstration</a:t>
             </a:r>
             <a:endParaRPr lang="en-US" dirty="0"/>
-          </a:p>
-        </p:txBody>
-      </p:sp>
-      <p:sp>
-        <p:nvSpPr>
-          <p:cNvPr id="3" name="Content Placeholder 2"/>
-          <p:cNvSpPr>
-            <a:spLocks noGrp="1"/>
-          </p:cNvSpPr>
-          <p:nvPr>
-            <p:ph idx="1"/>
-          </p:nvPr>
-        </p:nvSpPr>
-        <p:spPr/>
-        <p:txBody>
-          <a:bodyPr/>
-          <a:lstStyle/>
-          <a:p>
-            <a:r>
-              <a:rPr lang="en-US" dirty="0" smtClean="0"/>
-              <a:t>Connection </a:t>
-            </a:r>
-            <a:r>
-              <a:rPr lang="en-US" dirty="0" err="1" smtClean="0"/>
-              <a:t>à</a:t>
-            </a:r>
-            <a:r>
-              <a:rPr lang="en-US" dirty="0" smtClean="0"/>
-              <a:t> la base de </a:t>
-            </a:r>
-            <a:r>
-              <a:rPr lang="en-US" dirty="0" err="1" smtClean="0"/>
-              <a:t>données</a:t>
-            </a:r>
-            <a:r>
-              <a:rPr lang="en-US" dirty="0" smtClean="0"/>
-              <a:t> </a:t>
-            </a:r>
-            <a:r>
-              <a:rPr lang="en-US" dirty="0" err="1" smtClean="0"/>
-              <a:t>securisée</a:t>
-            </a:r>
-            <a:endParaRPr lang="en-US" dirty="0"/>
-          </a:p>
-          <a:p>
-            <a:pPr lvl="1"/>
-            <a:r>
-              <a:rPr lang="en-US" dirty="0" err="1" smtClean="0"/>
-              <a:t>Requêtes</a:t>
-            </a:r>
-            <a:r>
-              <a:rPr lang="en-US" dirty="0" smtClean="0"/>
-              <a:t> SQL </a:t>
-            </a:r>
-            <a:r>
-              <a:rPr lang="en-US" dirty="0" err="1" smtClean="0"/>
-              <a:t>preparées</a:t>
-            </a:r>
-            <a:endParaRPr lang="en-US" dirty="0" smtClean="0"/>
-          </a:p>
-          <a:p>
-            <a:pPr lvl="1"/>
-            <a:r>
-              <a:rPr lang="en-US" dirty="0" smtClean="0"/>
-              <a:t>PDO</a:t>
-            </a:r>
-          </a:p>
-          <a:p>
-            <a:pPr lvl="1"/>
-            <a:r>
-              <a:rPr lang="en-US" dirty="0" smtClean="0"/>
-              <a:t>Hash du mot de </a:t>
-            </a:r>
-            <a:r>
-              <a:rPr lang="en-US" dirty="0" err="1" smtClean="0"/>
-              <a:t>passe</a:t>
-            </a:r>
-            <a:endParaRPr lang="en-US" dirty="0" smtClean="0"/>
           </a:p>
         </p:txBody>
       </p:sp>
       <p:pic>
         <p:nvPicPr>
-          <p:cNvPr id="4" name="Picture 3"/>
+          <p:cNvPr id="4" name="Content Placeholder 3"/>
           <p:cNvPicPr>
-            <a:picLocks noChangeAspect="1"/>
+            <a:picLocks noGrp="1" noChangeAspect="1"/>
           </p:cNvPicPr>
-          <p:nvPr/>
+          <p:nvPr>
+            <p:ph idx="1"/>
+          </p:nvPr>
         </p:nvPicPr>
         <p:blipFill>
-          <a:blip r:embed="rId2">
+          <a:blip r:embed="rId2" cstate="print">
             <a:extLst>
               <a:ext uri="{28A0092B-C50C-407E-A947-70E740481C1C}">
                 <a14:useLocalDpi xmlns:a14="http://schemas.microsoft.com/office/drawing/2010/main" val="0"/>
@@ -7366,17 +7284,14 @@
         </p:blipFill>
         <p:spPr>
           <a:xfrm>
-            <a:off x="5520561" y="3860898"/>
-            <a:ext cx="6315156" cy="1406046"/>
+            <a:off x="4002364" y="2303201"/>
+            <a:ext cx="4187273" cy="3487999"/>
           </a:xfrm>
-          <a:prstGeom prst="rect">
-            <a:avLst/>
-          </a:prstGeom>
         </p:spPr>
       </p:pic>
       <p:sp>
         <p:nvSpPr>
-          <p:cNvPr id="5" name="Slide Number Placeholder 4"/>
+          <p:cNvPr id="3" name="Slide Number Placeholder 2"/>
           <p:cNvSpPr>
             <a:spLocks noGrp="1"/>
           </p:cNvSpPr>
@@ -7400,7 +7315,7 @@
     </p:spTree>
     <p:extLst>
       <p:ext uri="{BB962C8B-B14F-4D97-AF65-F5344CB8AC3E}">
-        <p14:creationId xmlns:p14="http://schemas.microsoft.com/office/powerpoint/2010/main" val="2257320113"/>
+        <p14:creationId xmlns:p14="http://schemas.microsoft.com/office/powerpoint/2010/main" val="1445376369"/>
       </p:ext>
     </p:extLst>
   </p:cSld>
@@ -7451,48 +7366,167 @@
           <a:p>
             <a:r>
               <a:rPr lang="en-US" dirty="0" smtClean="0"/>
-              <a:t>4. </a:t>
-            </a:r>
-            <a:r>
-              <a:rPr lang="en-US" dirty="0" err="1" smtClean="0"/>
-              <a:t>Démonstration</a:t>
+              <a:t>5. </a:t>
+            </a:r>
+            <a:r>
+              <a:rPr lang="en-US" dirty="0" err="1" smtClean="0"/>
+              <a:t>Stratégie</a:t>
+            </a:r>
+            <a:r>
+              <a:rPr lang="en-US" dirty="0" smtClean="0"/>
+              <a:t> </a:t>
+            </a:r>
+            <a:r>
+              <a:rPr lang="en-US" dirty="0" err="1" smtClean="0"/>
+              <a:t>économique</a:t>
             </a:r>
             <a:endParaRPr lang="en-US" dirty="0"/>
           </a:p>
         </p:txBody>
       </p:sp>
-      <p:pic>
-        <p:nvPicPr>
-          <p:cNvPr id="4" name="Content Placeholder 3"/>
-          <p:cNvPicPr>
-            <a:picLocks noGrp="1" noChangeAspect="1"/>
-          </p:cNvPicPr>
+      <p:sp>
+        <p:nvSpPr>
+          <p:cNvPr id="3" name="Content Placeholder 2"/>
+          <p:cNvSpPr>
+            <a:spLocks noGrp="1"/>
+          </p:cNvSpPr>
           <p:nvPr>
             <p:ph idx="1"/>
           </p:nvPr>
-        </p:nvPicPr>
-        <p:blipFill>
-          <a:blip r:embed="rId2" cstate="print">
-            <a:extLst>
-              <a:ext uri="{28A0092B-C50C-407E-A947-70E740481C1C}">
-                <a14:useLocalDpi xmlns:a14="http://schemas.microsoft.com/office/drawing/2010/main" val="0"/>
-              </a:ext>
-            </a:extLst>
-          </a:blip>
-          <a:stretch>
-            <a:fillRect/>
-          </a:stretch>
-        </p:blipFill>
-        <p:spPr>
-          <a:xfrm>
-            <a:off x="4002364" y="2303201"/>
-            <a:ext cx="4187273" cy="3487999"/>
-          </a:xfrm>
-        </p:spPr>
-      </p:pic>
-      <p:sp>
-        <p:nvSpPr>
-          <p:cNvPr id="3" name="Slide Number Placeholder 2"/>
+        </p:nvSpPr>
+        <p:spPr/>
+        <p:txBody>
+          <a:bodyPr/>
+          <a:lstStyle/>
+          <a:p>
+            <a:r>
+              <a:rPr lang="en-US" dirty="0" smtClean="0"/>
+              <a:t>Prototype </a:t>
+            </a:r>
+            <a:r>
+              <a:rPr lang="en-US" dirty="0" err="1" smtClean="0"/>
+              <a:t>destiné</a:t>
+            </a:r>
+            <a:r>
+              <a:rPr lang="en-US" dirty="0" smtClean="0"/>
+              <a:t> aux </a:t>
+            </a:r>
+            <a:r>
+              <a:rPr lang="en-US" dirty="0" err="1" smtClean="0"/>
+              <a:t>investisseurs</a:t>
+            </a:r>
+            <a:endParaRPr lang="en-US" dirty="0" smtClean="0"/>
+          </a:p>
+          <a:p>
+            <a:pPr lvl="1"/>
+            <a:r>
+              <a:rPr lang="en-US" dirty="0" err="1" smtClean="0"/>
+              <a:t>Acquérir</a:t>
+            </a:r>
+            <a:r>
+              <a:rPr lang="en-US" dirty="0" smtClean="0"/>
+              <a:t> </a:t>
+            </a:r>
+            <a:r>
+              <a:rPr lang="en-US" dirty="0"/>
+              <a:t>des </a:t>
+            </a:r>
+            <a:r>
+              <a:rPr lang="en-US" dirty="0" err="1"/>
+              <a:t>fonds</a:t>
+            </a:r>
+            <a:r>
+              <a:rPr lang="en-US" dirty="0"/>
+              <a:t> pour </a:t>
+            </a:r>
+            <a:r>
+              <a:rPr lang="en-US" dirty="0" err="1" smtClean="0"/>
+              <a:t>développer</a:t>
+            </a:r>
+            <a:r>
+              <a:rPr lang="en-US" dirty="0" smtClean="0"/>
+              <a:t> </a:t>
+            </a:r>
+            <a:r>
+              <a:rPr lang="en-US" dirty="0" err="1"/>
+              <a:t>une</a:t>
+            </a:r>
+            <a:r>
+              <a:rPr lang="en-US" dirty="0"/>
+              <a:t> version </a:t>
+            </a:r>
+            <a:r>
+              <a:rPr lang="en-US" dirty="0" err="1"/>
+              <a:t>commerciale</a:t>
+            </a:r>
+            <a:r>
+              <a:rPr lang="en-US" dirty="0"/>
+              <a:t> de </a:t>
+            </a:r>
+            <a:r>
+              <a:rPr lang="en-US" dirty="0" err="1" smtClean="0"/>
+              <a:t>l’application</a:t>
+            </a:r>
+            <a:endParaRPr lang="en-US" dirty="0" smtClean="0"/>
+          </a:p>
+          <a:p>
+            <a:r>
+              <a:rPr lang="en-US" dirty="0" err="1" smtClean="0"/>
+              <a:t>Logiciel</a:t>
+            </a:r>
+            <a:r>
+              <a:rPr lang="en-US" dirty="0" smtClean="0"/>
+              <a:t> open-source</a:t>
+            </a:r>
+          </a:p>
+          <a:p>
+            <a:pPr lvl="1"/>
+            <a:r>
+              <a:rPr lang="en-US" dirty="0" err="1" smtClean="0"/>
+              <a:t>Libre</a:t>
+            </a:r>
+            <a:r>
+              <a:rPr lang="en-US" dirty="0" smtClean="0"/>
+              <a:t> </a:t>
+            </a:r>
+            <a:r>
+              <a:rPr lang="en-US" dirty="0" err="1" smtClean="0"/>
+              <a:t>accès</a:t>
+            </a:r>
+            <a:r>
+              <a:rPr lang="en-US" dirty="0" smtClean="0"/>
+              <a:t> aux travers de sites </a:t>
+            </a:r>
+            <a:r>
+              <a:rPr lang="en-US" dirty="0" err="1" smtClean="0"/>
+              <a:t>comme</a:t>
+            </a:r>
+            <a:r>
+              <a:rPr lang="en-US" dirty="0" smtClean="0"/>
+              <a:t> </a:t>
+            </a:r>
+            <a:r>
+              <a:rPr lang="en-US" dirty="0" err="1" smtClean="0"/>
+              <a:t>SourceForge</a:t>
+            </a:r>
+            <a:r>
+              <a:rPr lang="en-US" dirty="0" smtClean="0"/>
+              <a:t> </a:t>
+            </a:r>
+            <a:r>
+              <a:rPr lang="en-US" dirty="0" err="1" smtClean="0"/>
+              <a:t>ou</a:t>
+            </a:r>
+            <a:r>
+              <a:rPr lang="en-US" dirty="0" smtClean="0"/>
+              <a:t> GitHub</a:t>
+            </a:r>
+          </a:p>
+        </p:txBody>
+      </p:sp>
+      <p:sp>
+        <p:nvSpPr>
+          <p:cNvPr id="4" name="Slide Number Placeholder 3"/>
           <p:cNvSpPr>
             <a:spLocks noGrp="1"/>
           </p:cNvSpPr>
@@ -7516,7 +7550,7 @@
     </p:spTree>
     <p:extLst>
       <p:ext uri="{BB962C8B-B14F-4D97-AF65-F5344CB8AC3E}">
-        <p14:creationId xmlns:p14="http://schemas.microsoft.com/office/powerpoint/2010/main" val="1445376369"/>
+        <p14:creationId xmlns:p14="http://schemas.microsoft.com/office/powerpoint/2010/main" val="2525067965"/>
       </p:ext>
     </p:extLst>
   </p:cSld>
@@ -7567,11 +7601,64 @@
           <a:p>
             <a:r>
               <a:rPr lang="en-US" dirty="0" smtClean="0"/>
-              <a:t>5. </a:t>
-            </a:r>
-            <a:r>
-              <a:rPr lang="en-US" dirty="0" err="1" smtClean="0"/>
-              <a:t>Stratégie</a:t>
+              <a:t>6. </a:t>
+            </a:r>
+            <a:r>
+              <a:rPr lang="en-US" dirty="0" err="1" smtClean="0"/>
+              <a:t>Gestion</a:t>
+            </a:r>
+            <a:r>
+              <a:rPr lang="en-US" dirty="0" smtClean="0"/>
+              <a:t> de </a:t>
+            </a:r>
+            <a:r>
+              <a:rPr lang="en-US" dirty="0" err="1" smtClean="0"/>
+              <a:t>projet</a:t>
+            </a:r>
+            <a:endParaRPr lang="en-US" dirty="0"/>
+          </a:p>
+        </p:txBody>
+      </p:sp>
+      <p:sp>
+        <p:nvSpPr>
+          <p:cNvPr id="3" name="Content Placeholder 2"/>
+          <p:cNvSpPr>
+            <a:spLocks noGrp="1"/>
+          </p:cNvSpPr>
+          <p:nvPr>
+            <p:ph idx="1"/>
+          </p:nvPr>
+        </p:nvSpPr>
+        <p:spPr/>
+        <p:txBody>
+          <a:bodyPr/>
+          <a:lstStyle/>
+          <a:p>
+            <a:r>
+              <a:rPr lang="en-US" dirty="0" smtClean="0"/>
+              <a:t>Brainstorming </a:t>
+            </a:r>
+            <a:r>
+              <a:rPr lang="en-US" dirty="0" err="1" smtClean="0"/>
+              <a:t>lors</a:t>
+            </a:r>
+            <a:r>
+              <a:rPr lang="en-US" dirty="0" smtClean="0"/>
+              <a:t> du premier </a:t>
+            </a:r>
+            <a:r>
+              <a:rPr lang="en-US" dirty="0" err="1" smtClean="0"/>
+              <a:t>mois</a:t>
+            </a:r>
+            <a:r>
+              <a:rPr lang="en-US" dirty="0" smtClean="0"/>
+              <a:t> de stage</a:t>
+            </a:r>
+          </a:p>
+          <a:p>
+            <a:r>
+              <a:rPr lang="en-US" dirty="0" err="1" smtClean="0"/>
+              <a:t>Réunions</a:t>
             </a:r>
             <a:r>
               <a:rPr lang="en-US" dirty="0" smtClean="0"/>
@@ -7579,149 +7666,33 @@
             </a:r>
             <a:r>
               <a:rPr lang="en-US" dirty="0" err="1" smtClean="0"/>
-              <a:t>économique</a:t>
-            </a:r>
+              <a:t>hebdomadaires</a:t>
+            </a:r>
+            <a:r>
+              <a:rPr lang="en-US" dirty="0" smtClean="0"/>
+              <a:t> avec Ritch Houdek</a:t>
+            </a:r>
+          </a:p>
+          <a:p>
+            <a:r>
+              <a:rPr lang="en-US" dirty="0" err="1" smtClean="0"/>
+              <a:t>Versionnage</a:t>
+            </a:r>
+            <a:r>
+              <a:rPr lang="en-US" dirty="0" smtClean="0"/>
+              <a:t> du code avec </a:t>
+            </a:r>
+            <a:r>
+              <a:rPr lang="en-US" dirty="0" err="1" smtClean="0"/>
+              <a:t>Bitbucket</a:t>
+            </a:r>
+            <a:endParaRPr lang="en-US" dirty="0" smtClean="0"/>
+          </a:p>
+          <a:p>
+            <a:pPr marL="0" indent="0">
+              <a:buNone/>
+            </a:pPr>
             <a:endParaRPr lang="en-US" dirty="0"/>
-          </a:p>
-        </p:txBody>
-      </p:sp>
-      <p:sp>
-        <p:nvSpPr>
-          <p:cNvPr id="3" name="Content Placeholder 2"/>
-          <p:cNvSpPr>
-            <a:spLocks noGrp="1"/>
-          </p:cNvSpPr>
-          <p:nvPr>
-            <p:ph idx="1"/>
-          </p:nvPr>
-        </p:nvSpPr>
-        <p:spPr/>
-        <p:txBody>
-          <a:bodyPr/>
-          <a:lstStyle/>
-          <a:p>
-            <a:r>
-              <a:rPr lang="en-US" dirty="0" smtClean="0"/>
-              <a:t>Prototype </a:t>
-            </a:r>
-            <a:r>
-              <a:rPr lang="en-US" dirty="0" err="1" smtClean="0"/>
-              <a:t>destiné</a:t>
-            </a:r>
-            <a:r>
-              <a:rPr lang="en-US" dirty="0" smtClean="0"/>
-              <a:t> aux </a:t>
-            </a:r>
-            <a:r>
-              <a:rPr lang="en-US" dirty="0" err="1" smtClean="0"/>
-              <a:t>investisseurs</a:t>
-            </a:r>
-            <a:endParaRPr lang="en-US" dirty="0" smtClean="0"/>
-          </a:p>
-          <a:p>
-            <a:pPr lvl="1"/>
-            <a:r>
-              <a:rPr lang="en-US" dirty="0" err="1" smtClean="0"/>
-              <a:t>Acquérir</a:t>
-            </a:r>
-            <a:r>
-              <a:rPr lang="en-US" dirty="0" smtClean="0"/>
-              <a:t> </a:t>
-            </a:r>
-            <a:r>
-              <a:rPr lang="en-US" dirty="0"/>
-              <a:t>des </a:t>
-            </a:r>
-            <a:r>
-              <a:rPr lang="en-US" dirty="0" err="1"/>
-              <a:t>fonds</a:t>
-            </a:r>
-            <a:r>
-              <a:rPr lang="en-US" dirty="0"/>
-              <a:t> pour </a:t>
-            </a:r>
-            <a:r>
-              <a:rPr lang="en-US" dirty="0" err="1" smtClean="0"/>
-              <a:t>développer</a:t>
-            </a:r>
-            <a:r>
-              <a:rPr lang="en-US" dirty="0" smtClean="0"/>
-              <a:t> </a:t>
-            </a:r>
-            <a:r>
-              <a:rPr lang="en-US" dirty="0" err="1"/>
-              <a:t>une</a:t>
-            </a:r>
-            <a:r>
-              <a:rPr lang="en-US" dirty="0"/>
-              <a:t> version </a:t>
-            </a:r>
-            <a:r>
-              <a:rPr lang="en-US" dirty="0" err="1"/>
-              <a:t>commerciale</a:t>
-            </a:r>
-            <a:r>
-              <a:rPr lang="en-US" dirty="0"/>
-              <a:t> de </a:t>
-            </a:r>
-            <a:r>
-              <a:rPr lang="en-US" dirty="0" err="1" smtClean="0"/>
-              <a:t>l’application</a:t>
-            </a:r>
-            <a:endParaRPr lang="en-US" dirty="0" smtClean="0"/>
-          </a:p>
-          <a:p>
-            <a:r>
-              <a:rPr lang="en-US" dirty="0" err="1" smtClean="0"/>
-              <a:t>Logiciel</a:t>
-            </a:r>
-            <a:r>
-              <a:rPr lang="en-US" dirty="0" smtClean="0"/>
-              <a:t> open-source</a:t>
-            </a:r>
-          </a:p>
-          <a:p>
-            <a:pPr lvl="1"/>
-            <a:r>
-              <a:rPr lang="en-US" dirty="0" err="1" smtClean="0"/>
-              <a:t>Libre</a:t>
-            </a:r>
-            <a:r>
-              <a:rPr lang="en-US" dirty="0" smtClean="0"/>
-              <a:t> </a:t>
-            </a:r>
-            <a:r>
-              <a:rPr lang="en-US" dirty="0" err="1" smtClean="0"/>
-              <a:t>accès</a:t>
-            </a:r>
-            <a:r>
-              <a:rPr lang="en-US" dirty="0" smtClean="0"/>
-              <a:t> aux travers de sites </a:t>
-            </a:r>
-            <a:r>
-              <a:rPr lang="en-US" dirty="0" err="1" smtClean="0"/>
-              <a:t>comme</a:t>
-            </a:r>
-            <a:r>
-              <a:rPr lang="en-US" dirty="0" smtClean="0"/>
-              <a:t> </a:t>
-            </a:r>
-            <a:r>
-              <a:rPr lang="en-US" dirty="0" err="1" smtClean="0"/>
-              <a:t>SourceForge</a:t>
-            </a:r>
-            <a:r>
-              <a:rPr lang="en-US" dirty="0" smtClean="0"/>
-              <a:t> </a:t>
-            </a:r>
-            <a:r>
-              <a:rPr lang="en-US" dirty="0" err="1" smtClean="0"/>
-              <a:t>ou</a:t>
-            </a:r>
-            <a:r>
-              <a:rPr lang="en-US" dirty="0" smtClean="0"/>
-              <a:t> GitHub</a:t>
-            </a:r>
           </a:p>
         </p:txBody>
       </p:sp>
@@ -7751,7 +7722,7 @@
     </p:spTree>
     <p:extLst>
       <p:ext uri="{BB962C8B-B14F-4D97-AF65-F5344CB8AC3E}">
-        <p14:creationId xmlns:p14="http://schemas.microsoft.com/office/powerpoint/2010/main" val="2525067965"/>
+        <p14:creationId xmlns:p14="http://schemas.microsoft.com/office/powerpoint/2010/main" val="1828235199"/>
       </p:ext>
     </p:extLst>
   </p:cSld>
@@ -7805,101 +7776,53 @@
               <a:t>6. </a:t>
             </a:r>
             <a:r>
-              <a:rPr lang="en-US" dirty="0" err="1" smtClean="0"/>
+              <a:rPr lang="en-US" dirty="0" err="1"/>
               <a:t>Gestion</a:t>
             </a:r>
             <a:r>
-              <a:rPr lang="en-US" dirty="0" smtClean="0"/>
+              <a:rPr lang="en-US" dirty="0"/>
               <a:t> de </a:t>
             </a:r>
             <a:r>
-              <a:rPr lang="en-US" dirty="0" err="1" smtClean="0"/>
+              <a:rPr lang="en-US" dirty="0" err="1"/>
               <a:t>projet</a:t>
             </a:r>
             <a:endParaRPr lang="en-US" dirty="0"/>
           </a:p>
         </p:txBody>
       </p:sp>
-      <p:sp>
-        <p:nvSpPr>
-          <p:cNvPr id="3" name="Content Placeholder 2"/>
-          <p:cNvSpPr>
-            <a:spLocks noGrp="1"/>
-          </p:cNvSpPr>
+      <p:pic>
+        <p:nvPicPr>
+          <p:cNvPr id="4" name="Content Placeholder 3"/>
+          <p:cNvPicPr>
+            <a:picLocks noGrp="1" noChangeAspect="1"/>
+          </p:cNvPicPr>
           <p:nvPr>
             <p:ph idx="1"/>
           </p:nvPr>
-        </p:nvSpPr>
-        <p:spPr/>
-        <p:txBody>
-          <a:bodyPr/>
-          <a:lstStyle/>
-          <a:p>
-            <a:r>
-              <a:rPr lang="en-US" dirty="0" smtClean="0"/>
-              <a:t>Brainstorming </a:t>
-            </a:r>
-            <a:r>
-              <a:rPr lang="en-US" dirty="0" err="1" smtClean="0"/>
-              <a:t>lors</a:t>
-            </a:r>
-            <a:r>
-              <a:rPr lang="en-US" dirty="0" smtClean="0"/>
-              <a:t> du premier </a:t>
-            </a:r>
-            <a:r>
-              <a:rPr lang="en-US" dirty="0" err="1" smtClean="0"/>
-              <a:t>mois</a:t>
-            </a:r>
-            <a:r>
-              <a:rPr lang="en-US" dirty="0" smtClean="0"/>
-              <a:t> de stage</a:t>
-            </a:r>
-          </a:p>
-          <a:p>
-            <a:r>
-              <a:rPr lang="en-US" dirty="0" err="1" smtClean="0"/>
-              <a:t>Réunions</a:t>
-            </a:r>
-            <a:r>
-              <a:rPr lang="en-US" dirty="0" smtClean="0"/>
-              <a:t> </a:t>
-            </a:r>
-            <a:r>
-              <a:rPr lang="en-US" dirty="0" err="1" smtClean="0"/>
-              <a:t>hebdomadaires</a:t>
-            </a:r>
-            <a:r>
-              <a:rPr lang="en-US" dirty="0" smtClean="0"/>
-              <a:t> avec Ritch Houdek</a:t>
-            </a:r>
-          </a:p>
-          <a:p>
-            <a:r>
-              <a:rPr lang="en-US" dirty="0" err="1" smtClean="0"/>
-              <a:t>Versionnage</a:t>
-            </a:r>
-            <a:r>
-              <a:rPr lang="en-US" dirty="0" smtClean="0"/>
-              <a:t> du code avec </a:t>
-            </a:r>
-            <a:r>
-              <a:rPr lang="en-US" dirty="0" err="1" smtClean="0"/>
-              <a:t>Bitbucket</a:t>
-            </a:r>
-            <a:endParaRPr lang="en-US" dirty="0" smtClean="0"/>
-          </a:p>
-          <a:p>
-            <a:pPr marL="0" indent="0">
-              <a:buNone/>
-            </a:pPr>
-            <a:endParaRPr lang="en-US" dirty="0"/>
-          </a:p>
-        </p:txBody>
-      </p:sp>
-      <p:sp>
-        <p:nvSpPr>
-          <p:cNvPr id="4" name="Slide Number Placeholder 3"/>
+        </p:nvPicPr>
+        <p:blipFill>
+          <a:blip r:embed="rId2">
+            <a:extLst>
+              <a:ext uri="{28A0092B-C50C-407E-A947-70E740481C1C}">
+                <a14:useLocalDpi xmlns:a14="http://schemas.microsoft.com/office/drawing/2010/main" val="0"/>
+              </a:ext>
+            </a:extLst>
+          </a:blip>
+          <a:stretch>
+            <a:fillRect/>
+          </a:stretch>
+        </p:blipFill>
+        <p:spPr>
+          <a:xfrm>
+            <a:off x="253520" y="2438399"/>
+            <a:ext cx="11684960" cy="3127950"/>
+          </a:xfrm>
+        </p:spPr>
+      </p:pic>
+      <p:sp>
+        <p:nvSpPr>
+          <p:cNvPr id="3" name="Slide Number Placeholder 2"/>
           <p:cNvSpPr>
             <a:spLocks noGrp="1"/>
           </p:cNvSpPr>
@@ -7923,7 +7846,7 @@
     </p:spTree>
     <p:extLst>
       <p:ext uri="{BB962C8B-B14F-4D97-AF65-F5344CB8AC3E}">
-        <p14:creationId xmlns:p14="http://schemas.microsoft.com/office/powerpoint/2010/main" val="1828235199"/>
+        <p14:creationId xmlns:p14="http://schemas.microsoft.com/office/powerpoint/2010/main" val="1091214134"/>
       </p:ext>
     </p:extLst>
   </p:cSld>
@@ -7974,56 +7897,174 @@
           <a:p>
             <a:r>
               <a:rPr lang="en-US" dirty="0" smtClean="0"/>
-              <a:t>6. </a:t>
+              <a:t>Conclusion</a:t>
+            </a:r>
+            <a:endParaRPr lang="en-US" dirty="0"/>
+          </a:p>
+        </p:txBody>
+      </p:sp>
+      <p:sp>
+        <p:nvSpPr>
+          <p:cNvPr id="3" name="Content Placeholder 2"/>
+          <p:cNvSpPr>
+            <a:spLocks noGrp="1"/>
+          </p:cNvSpPr>
+          <p:nvPr>
+            <p:ph idx="1"/>
+          </p:nvPr>
+        </p:nvSpPr>
+        <p:spPr/>
+        <p:txBody>
+          <a:bodyPr/>
+          <a:lstStyle/>
+          <a:p>
+            <a:r>
+              <a:rPr lang="en-US" dirty="0" smtClean="0"/>
+              <a:t>Le </a:t>
+            </a:r>
+            <a:r>
+              <a:rPr lang="en-US" dirty="0" err="1" smtClean="0"/>
+              <a:t>projet</a:t>
+            </a:r>
+            <a:r>
+              <a:rPr lang="en-US" dirty="0" smtClean="0"/>
+              <a:t> </a:t>
+            </a:r>
+            <a:r>
+              <a:rPr lang="en-US" dirty="0" err="1" smtClean="0"/>
+              <a:t>répond</a:t>
+            </a:r>
+            <a:r>
+              <a:rPr lang="en-US" dirty="0" smtClean="0"/>
+              <a:t> </a:t>
+            </a:r>
+            <a:r>
+              <a:rPr lang="en-US" dirty="0" err="1" smtClean="0"/>
+              <a:t>complètement</a:t>
+            </a:r>
+            <a:r>
+              <a:rPr lang="en-US" dirty="0" smtClean="0"/>
+              <a:t> aux </a:t>
+            </a:r>
+            <a:r>
+              <a:rPr lang="en-US" dirty="0" err="1" smtClean="0"/>
+              <a:t>besoins</a:t>
+            </a:r>
+            <a:r>
+              <a:rPr lang="en-US" dirty="0" smtClean="0"/>
+              <a:t> du client</a:t>
+            </a:r>
+          </a:p>
+          <a:p>
+            <a:pPr lvl="1"/>
+            <a:r>
+              <a:rPr lang="en-US" dirty="0"/>
+              <a:t>Solution simple et </a:t>
+            </a:r>
+            <a:r>
+              <a:rPr lang="en-US" dirty="0" err="1" smtClean="0"/>
+              <a:t>basée</a:t>
+            </a:r>
+            <a:r>
+              <a:rPr lang="en-US" dirty="0" smtClean="0"/>
+              <a:t> </a:t>
             </a:r>
             <a:r>
               <a:rPr lang="en-US" dirty="0" err="1"/>
-              <a:t>Gestion</a:t>
+              <a:t>dans</a:t>
+            </a:r>
+            <a:r>
+              <a:rPr lang="en-US" dirty="0"/>
+              <a:t> le cloud</a:t>
+            </a:r>
+          </a:p>
+          <a:p>
+            <a:pPr lvl="1"/>
+            <a:r>
+              <a:rPr lang="en-US" dirty="0" err="1"/>
+              <a:t>Permet</a:t>
             </a:r>
             <a:r>
               <a:rPr lang="en-US" dirty="0"/>
               <a:t> de </a:t>
             </a:r>
             <a:r>
-              <a:rPr lang="en-US" dirty="0" err="1"/>
-              <a:t>projet</a:t>
-            </a:r>
-            <a:endParaRPr lang="en-US" dirty="0"/>
-          </a:p>
-        </p:txBody>
-      </p:sp>
-      <p:pic>
-        <p:nvPicPr>
-          <p:cNvPr id="4" name="Content Placeholder 3"/>
-          <p:cNvPicPr>
-            <a:picLocks noGrp="1" noChangeAspect="1"/>
-          </p:cNvPicPr>
-          <p:nvPr>
-            <p:ph idx="1"/>
-          </p:nvPr>
-        </p:nvPicPr>
-        <p:blipFill>
-          <a:blip r:embed="rId2">
-            <a:extLst>
-              <a:ext uri="{28A0092B-C50C-407E-A947-70E740481C1C}">
-                <a14:useLocalDpi xmlns:a14="http://schemas.microsoft.com/office/drawing/2010/main" val="0"/>
-              </a:ext>
-            </a:extLst>
-          </a:blip>
-          <a:stretch>
-            <a:fillRect/>
-          </a:stretch>
-        </p:blipFill>
-        <p:spPr>
-          <a:xfrm>
-            <a:off x="253520" y="2438399"/>
-            <a:ext cx="11684960" cy="3127950"/>
-          </a:xfrm>
-        </p:spPr>
-      </p:pic>
-      <p:sp>
-        <p:nvSpPr>
-          <p:cNvPr id="3" name="Slide Number Placeholder 2"/>
+              <a:rPr lang="en-US" dirty="0" err="1" smtClean="0"/>
+              <a:t>gérer</a:t>
+            </a:r>
+            <a:r>
+              <a:rPr lang="en-US" dirty="0" smtClean="0"/>
+              <a:t> </a:t>
+            </a:r>
+            <a:r>
+              <a:rPr lang="en-US" dirty="0"/>
+              <a:t>les items de configuration de </a:t>
+            </a:r>
+            <a:r>
+              <a:rPr lang="en-US" dirty="0" err="1" smtClean="0"/>
+              <a:t>l’entreprise</a:t>
+            </a:r>
+            <a:endParaRPr lang="en-US" dirty="0" smtClean="0"/>
+          </a:p>
+          <a:p>
+            <a:r>
+              <a:rPr lang="en-US" dirty="0" err="1" smtClean="0"/>
+              <a:t>Améliorations</a:t>
+            </a:r>
+            <a:r>
+              <a:rPr lang="en-US" dirty="0" smtClean="0"/>
+              <a:t> </a:t>
+            </a:r>
+            <a:r>
+              <a:rPr lang="en-US" dirty="0" err="1" smtClean="0"/>
+              <a:t>possibles</a:t>
+            </a:r>
+            <a:endParaRPr lang="en-US" dirty="0" smtClean="0"/>
+          </a:p>
+          <a:p>
+            <a:r>
+              <a:rPr lang="en-US" dirty="0" err="1" smtClean="0"/>
+              <a:t>Expérience</a:t>
+            </a:r>
+            <a:r>
+              <a:rPr lang="en-US" dirty="0" smtClean="0"/>
+              <a:t> </a:t>
+            </a:r>
+            <a:r>
+              <a:rPr lang="en-US" dirty="0" err="1" smtClean="0"/>
+              <a:t>essentielle</a:t>
+            </a:r>
+            <a:r>
+              <a:rPr lang="en-US" dirty="0" smtClean="0"/>
+              <a:t> pour ma </a:t>
+            </a:r>
+            <a:r>
+              <a:rPr lang="en-US" dirty="0" err="1" smtClean="0"/>
+              <a:t>préparation</a:t>
+            </a:r>
+            <a:r>
+              <a:rPr lang="en-US" dirty="0" smtClean="0"/>
+              <a:t> en </a:t>
+            </a:r>
+            <a:r>
+              <a:rPr lang="en-US" dirty="0" err="1" smtClean="0"/>
+              <a:t>tant</a:t>
+            </a:r>
+            <a:r>
+              <a:rPr lang="en-US" dirty="0" smtClean="0"/>
+              <a:t> </a:t>
+            </a:r>
+            <a:r>
+              <a:rPr lang="en-US" dirty="0" err="1" smtClean="0"/>
+              <a:t>qu’ingénieur</a:t>
+            </a:r>
+            <a:endParaRPr lang="en-US" dirty="0" smtClean="0"/>
+          </a:p>
+        </p:txBody>
+      </p:sp>
+      <p:sp>
+        <p:nvSpPr>
+          <p:cNvPr id="4" name="Slide Number Placeholder 3"/>
           <p:cNvSpPr>
             <a:spLocks noGrp="1"/>
           </p:cNvSpPr>
@@ -8047,7 +8088,7 @@
     </p:spTree>
     <p:extLst>
       <p:ext uri="{BB962C8B-B14F-4D97-AF65-F5344CB8AC3E}">
-        <p14:creationId xmlns:p14="http://schemas.microsoft.com/office/powerpoint/2010/main" val="1091214134"/>
+        <p14:creationId xmlns:p14="http://schemas.microsoft.com/office/powerpoint/2010/main" val="3474117698"/>
       </p:ext>
     </p:extLst>
   </p:cSld>
@@ -8098,248 +8139,6 @@
           <a:p>
             <a:r>
               <a:rPr lang="en-US" dirty="0" smtClean="0"/>
-              <a:t>Conclusion</a:t>
-            </a:r>
-            <a:endParaRPr lang="en-US" dirty="0"/>
-          </a:p>
-        </p:txBody>
-      </p:sp>
-      <p:sp>
-        <p:nvSpPr>
-          <p:cNvPr id="3" name="Content Placeholder 2"/>
-          <p:cNvSpPr>
-            <a:spLocks noGrp="1"/>
-          </p:cNvSpPr>
-          <p:nvPr>
-            <p:ph idx="1"/>
-          </p:nvPr>
-        </p:nvSpPr>
-        <p:spPr/>
-        <p:txBody>
-          <a:bodyPr/>
-          <a:lstStyle/>
-          <a:p>
-            <a:r>
-              <a:rPr lang="en-US" dirty="0" smtClean="0"/>
-              <a:t>Le </a:t>
-            </a:r>
-            <a:r>
-              <a:rPr lang="en-US" dirty="0" err="1" smtClean="0"/>
-              <a:t>projet</a:t>
-            </a:r>
-            <a:r>
-              <a:rPr lang="en-US" dirty="0" smtClean="0"/>
-              <a:t> </a:t>
-            </a:r>
-            <a:r>
-              <a:rPr lang="en-US" dirty="0" err="1" smtClean="0"/>
-              <a:t>répond</a:t>
-            </a:r>
-            <a:r>
-              <a:rPr lang="en-US" dirty="0" smtClean="0"/>
-              <a:t> </a:t>
-            </a:r>
-            <a:r>
-              <a:rPr lang="en-US" dirty="0" err="1" smtClean="0"/>
-              <a:t>complètement</a:t>
-            </a:r>
-            <a:r>
-              <a:rPr lang="en-US" dirty="0" smtClean="0"/>
-              <a:t> aux </a:t>
-            </a:r>
-            <a:r>
-              <a:rPr lang="en-US" dirty="0" err="1" smtClean="0"/>
-              <a:t>besoins</a:t>
-            </a:r>
-            <a:r>
-              <a:rPr lang="en-US" dirty="0" smtClean="0"/>
-              <a:t> du client</a:t>
-            </a:r>
-          </a:p>
-          <a:p>
-            <a:pPr lvl="1"/>
-            <a:r>
-              <a:rPr lang="en-US" dirty="0"/>
-              <a:t>Solution simple et </a:t>
-            </a:r>
-            <a:r>
-              <a:rPr lang="en-US" dirty="0" err="1" smtClean="0"/>
-              <a:t>basée</a:t>
-            </a:r>
-            <a:r>
-              <a:rPr lang="en-US" dirty="0" smtClean="0"/>
-              <a:t> </a:t>
-            </a:r>
-            <a:r>
-              <a:rPr lang="en-US" dirty="0" err="1"/>
-              <a:t>dans</a:t>
-            </a:r>
-            <a:r>
-              <a:rPr lang="en-US" dirty="0"/>
-              <a:t> le cloud</a:t>
-            </a:r>
-          </a:p>
-          <a:p>
-            <a:pPr lvl="1"/>
-            <a:r>
-              <a:rPr lang="en-US" dirty="0" err="1"/>
-              <a:t>Permet</a:t>
-            </a:r>
-            <a:r>
-              <a:rPr lang="en-US" dirty="0"/>
-              <a:t> de </a:t>
-            </a:r>
-            <a:r>
-              <a:rPr lang="en-US" dirty="0" err="1" smtClean="0"/>
-              <a:t>gérer</a:t>
-            </a:r>
-            <a:r>
-              <a:rPr lang="en-US" dirty="0" smtClean="0"/>
-              <a:t> </a:t>
-            </a:r>
-            <a:r>
-              <a:rPr lang="en-US" dirty="0"/>
-              <a:t>les items de configuration de </a:t>
-            </a:r>
-            <a:r>
-              <a:rPr lang="en-US" dirty="0" err="1" smtClean="0"/>
-              <a:t>l’entreprise</a:t>
-            </a:r>
-            <a:endParaRPr lang="en-US" dirty="0" smtClean="0"/>
-          </a:p>
-          <a:p>
-            <a:r>
-              <a:rPr lang="en-US" dirty="0" err="1" smtClean="0"/>
-              <a:t>Améliorations</a:t>
-            </a:r>
-            <a:r>
-              <a:rPr lang="en-US" dirty="0" smtClean="0"/>
-              <a:t> </a:t>
-            </a:r>
-            <a:r>
-              <a:rPr lang="en-US" dirty="0" err="1" smtClean="0"/>
-              <a:t>possibles</a:t>
-            </a:r>
-            <a:endParaRPr lang="en-US" dirty="0" smtClean="0"/>
-          </a:p>
-          <a:p>
-            <a:r>
-              <a:rPr lang="en-US" dirty="0" err="1" smtClean="0"/>
-              <a:t>Expérience</a:t>
-            </a:r>
-            <a:r>
-              <a:rPr lang="en-US" dirty="0" smtClean="0"/>
-              <a:t> </a:t>
-            </a:r>
-            <a:r>
-              <a:rPr lang="en-US" dirty="0" err="1" smtClean="0"/>
-              <a:t>essentielle</a:t>
-            </a:r>
-            <a:r>
-              <a:rPr lang="en-US" dirty="0" smtClean="0"/>
-              <a:t> pour ma </a:t>
-            </a:r>
-            <a:r>
-              <a:rPr lang="en-US" dirty="0" err="1" smtClean="0"/>
-              <a:t>préparation</a:t>
-            </a:r>
-            <a:r>
-              <a:rPr lang="en-US" dirty="0" smtClean="0"/>
-              <a:t> en </a:t>
-            </a:r>
-            <a:r>
-              <a:rPr lang="en-US" dirty="0" err="1" smtClean="0"/>
-              <a:t>tant</a:t>
-            </a:r>
-            <a:r>
-              <a:rPr lang="en-US" dirty="0" smtClean="0"/>
-              <a:t> </a:t>
-            </a:r>
-            <a:r>
-              <a:rPr lang="en-US" dirty="0" err="1" smtClean="0"/>
-              <a:t>qu’ingénieur</a:t>
-            </a:r>
-            <a:endParaRPr lang="en-US" dirty="0" smtClean="0"/>
-          </a:p>
-        </p:txBody>
-      </p:sp>
-      <p:sp>
-        <p:nvSpPr>
-          <p:cNvPr id="4" name="Slide Number Placeholder 3"/>
-          <p:cNvSpPr>
-            <a:spLocks noGrp="1"/>
-          </p:cNvSpPr>
-          <p:nvPr>
-            <p:ph type="sldNum" sz="quarter" idx="12"/>
-          </p:nvPr>
-        </p:nvSpPr>
-        <p:spPr/>
-        <p:txBody>
-          <a:bodyPr/>
-          <a:lstStyle/>
-          <a:p>
-            <a:fld id="{57DC53DE-AFDD-4F57-970B-41BDA98A7F7B}" type="slidenum">
-              <a:rPr lang="en-US" smtClean="0"/>
-              <a:t>16</a:t>
-            </a:fld>
-            <a:endParaRPr lang="en-US"/>
-          </a:p>
-        </p:txBody>
-      </p:sp>
-    </p:spTree>
-    <p:extLst>
-      <p:ext uri="{BB962C8B-B14F-4D97-AF65-F5344CB8AC3E}">
-        <p14:creationId xmlns:p14="http://schemas.microsoft.com/office/powerpoint/2010/main" val="3474117698"/>
-      </p:ext>
-    </p:extLst>
-  </p:cSld>
-  <p:clrMapOvr>
-    <a:masterClrMapping/>
-  </p:clrMapOvr>
-  <p:timing>
-    <p:tnLst>
-      <p:par>
-        <p:cTn id="1" dur="indefinite" restart="never" nodeType="tmRoot"/>
-      </p:par>
-    </p:tnLst>
-  </p:timing>
-</p:sld>
-</file>
-
-<file path=ppt/slides/slide17.xml><?xml version="1.0" encoding="utf-8"?>
-<p:sld xmlns:a="http://schemas.openxmlformats.org/drawingml/2006/main" xmlns:r="http://schemas.openxmlformats.org/officeDocument/2006/relationships" xmlns:p="http://schemas.openxmlformats.org/presentationml/2006/main">
-  <p:cSld>
-    <p:spTree>
-      <p:nvGrpSpPr>
-        <p:cNvPr id="1" name=""/>
-        <p:cNvGrpSpPr/>
-        <p:nvPr/>
-      </p:nvGrpSpPr>
-      <p:grpSpPr>
-        <a:xfrm>
-          <a:off x="0" y="0"/>
-          <a:ext cx="0" cy="0"/>
-          <a:chOff x="0" y="0"/>
-          <a:chExt cx="0" cy="0"/>
-        </a:xfrm>
-      </p:grpSpPr>
-      <p:sp>
-        <p:nvSpPr>
-          <p:cNvPr id="2" name="Title 1"/>
-          <p:cNvSpPr>
-            <a:spLocks noGrp="1"/>
-          </p:cNvSpPr>
-          <p:nvPr>
-            <p:ph type="title"/>
-          </p:nvPr>
-        </p:nvSpPr>
-        <p:spPr/>
-        <p:txBody>
-          <a:bodyPr/>
-          <a:lstStyle/>
-          <a:p>
-            <a:r>
-              <a:rPr lang="en-US" dirty="0" smtClean="0"/>
               <a:t>Merci pour </a:t>
             </a:r>
             <a:r>
@@ -8474,7 +8273,7 @@
           <a:p>
             <a:fld id="{57DC53DE-AFDD-4F57-970B-41BDA98A7F7B}" type="slidenum">
               <a:rPr lang="en-US" smtClean="0"/>
-              <a:t>17</a:t>
+              <a:t>16</a:t>
             </a:fld>
             <a:endParaRPr lang="en-US"/>
           </a:p>
@@ -9033,7 +8832,7 @@
             </a:r>
             <a:r>
               <a:rPr lang="en-US" dirty="0" err="1" smtClean="0"/>
-              <a:t>méchanique</a:t>
+              <a:t>mécanique</a:t>
             </a:r>
             <a:r>
               <a:rPr lang="en-US" dirty="0" smtClean="0"/>
@@ -9997,6 +9796,13 @@
   <p:clrMapOvr>
     <a:masterClrMapping/>
   </p:clrMapOvr>
+  <p:timing>
+    <p:tnLst>
+      <p:par>
+        <p:cTn id="1" dur="indefinite" restart="never" nodeType="tmRoot"/>
+      </p:par>
+    </p:tnLst>
+  </p:timing>
 </p:sld>
 </file>
 
@@ -10271,6 +10077,13 @@
   <p:clrMapOvr>
     <a:masterClrMapping/>
   </p:clrMapOvr>
+  <p:timing>
+    <p:tnLst>
+      <p:par>
+        <p:cTn id="1" dur="indefinite" restart="never" nodeType="tmRoot"/>
+      </p:par>
+    </p:tnLst>
+  </p:timing>
 </p:sld>
 </file>
 
